--- a/Movie Analysis for Studio Development.pptx
+++ b/Movie Analysis for Studio Development.pptx
@@ -396,7 +396,7 @@
           <a:p>
             <a:fld id="{9184DA70-C731-4C70-880D-CCD4705E623C}" type="datetime1">
               <a:rPr lang="en-US" noProof="0" smtClean="0"/>
-              <a:t>6/4/2021</a:t>
+              <a:t>6/5/2021</a:t>
             </a:fld>
             <a:endParaRPr lang="en-US" noProof="0" dirty="0"/>
           </a:p>
@@ -517,7 +517,7 @@
           <a:p>
             <a:fld id="{39667345-2558-425A-8533-9BFDBCE15005}" type="datetime1">
               <a:rPr lang="en-US" noProof="0" smtClean="0"/>
-              <a:t>6/4/2021</a:t>
+              <a:t>6/5/2021</a:t>
             </a:fld>
             <a:endParaRPr lang="en-US" noProof="0" dirty="0"/>
           </a:p>
@@ -905,7 +905,7 @@
           <a:p>
             <a:fld id="{39667345-2558-425A-8533-9BFDBCE15005}" type="datetime1">
               <a:rPr lang="en-US" noProof="0" smtClean="0"/>
-              <a:t>6/4/2021</a:t>
+              <a:t>6/5/2021</a:t>
             </a:fld>
             <a:endParaRPr lang="en-US" noProof="0" dirty="0"/>
           </a:p>
@@ -1740,7 +1740,7 @@
           <a:p>
             <a:fld id="{4907D986-8816-4272-A432-0437A28A9828}" type="datetime1">
               <a:rPr lang="en-US" noProof="0" smtClean="0"/>
-              <a:t>6/4/2021</a:t>
+              <a:t>6/5/2021</a:t>
             </a:fld>
             <a:endParaRPr lang="en-US" noProof="0" dirty="0"/>
           </a:p>
@@ -2072,7 +2072,7 @@
           <a:p>
             <a:fld id="{9184DA70-C731-4C70-880D-CCD4705E623C}" type="datetime1">
               <a:rPr lang="en-US" noProof="0" smtClean="0"/>
-              <a:t>6/4/2021</a:t>
+              <a:t>6/5/2021</a:t>
             </a:fld>
             <a:endParaRPr lang="en-US" noProof="0" dirty="0"/>
           </a:p>
@@ -2380,7 +2380,7 @@
           <a:p>
             <a:fld id="{4BE1D723-8F53-4F53-90B0-1982A396982E}" type="datetime1">
               <a:rPr lang="en-US" noProof="0" smtClean="0"/>
-              <a:t>6/4/2021</a:t>
+              <a:t>6/5/2021</a:t>
             </a:fld>
             <a:endParaRPr lang="en-US" noProof="0" dirty="0"/>
           </a:p>
@@ -2973,7 +2973,7 @@
           <a:p>
             <a:fld id="{D9DF0F1C-5577-4ACB-BB62-DF8F3C494C7E}" type="datetime1">
               <a:rPr lang="en-US" noProof="0" smtClean="0"/>
-              <a:t>6/4/2021</a:t>
+              <a:t>6/5/2021</a:t>
             </a:fld>
             <a:endParaRPr lang="en-US" noProof="0" dirty="0"/>
           </a:p>
@@ -3236,7 +3236,7 @@
           <a:p>
             <a:fld id="{1775B394-D9F9-4F0C-B15D-605F45CB9E9F}" type="datetime1">
               <a:rPr lang="en-US" noProof="0" smtClean="0"/>
-              <a:t>6/4/2021</a:t>
+              <a:t>6/5/2021</a:t>
             </a:fld>
             <a:endParaRPr lang="en-US" noProof="0" dirty="0"/>
           </a:p>
@@ -3499,7 +3499,7 @@
           <a:p>
             <a:fld id="{1775B394-D9F9-4F0C-B15D-605F45CB9E9F}" type="datetime1">
               <a:rPr lang="en-US" noProof="0" smtClean="0"/>
-              <a:t>6/4/2021</a:t>
+              <a:t>6/5/2021</a:t>
             </a:fld>
             <a:endParaRPr lang="en-US" noProof="0" dirty="0"/>
           </a:p>
@@ -4016,7 +4016,7 @@
           <a:p>
             <a:fld id="{39667345-2558-425A-8533-9BFDBCE15005}" type="datetime1">
               <a:rPr lang="en-US" noProof="0" smtClean="0"/>
-              <a:t>6/4/2021</a:t>
+              <a:t>6/5/2021</a:t>
             </a:fld>
             <a:endParaRPr lang="en-US" noProof="0" dirty="0"/>
           </a:p>
@@ -4137,7 +4137,7 @@
           <a:p>
             <a:fld id="{39667345-2558-425A-8533-9BFDBCE15005}" type="datetime1">
               <a:rPr lang="en-US" noProof="0" smtClean="0"/>
-              <a:t>6/4/2021</a:t>
+              <a:t>6/5/2021</a:t>
             </a:fld>
             <a:endParaRPr lang="en-US" noProof="0" dirty="0"/>
           </a:p>
@@ -4569,7 +4569,7 @@
           <a:p>
             <a:fld id="{39667345-2558-425A-8533-9BFDBCE15005}" type="datetime1">
               <a:rPr lang="en-US" noProof="0" smtClean="0"/>
-              <a:t>6/4/2021</a:t>
+              <a:t>6/5/2021</a:t>
             </a:fld>
             <a:endParaRPr lang="en-US" noProof="0" dirty="0"/>
           </a:p>
@@ -5111,7 +5111,7 @@
           <a:p>
             <a:fld id="{62D6E202-B606-4609-B914-27C9371A1F6D}" type="datetime1">
               <a:rPr lang="en-US" noProof="0" smtClean="0"/>
-              <a:t>6/4/2021</a:t>
+              <a:t>6/5/2021</a:t>
             </a:fld>
             <a:endParaRPr lang="en-US" noProof="0" dirty="0"/>
           </a:p>
@@ -5884,10 +5884,10 @@
       </p:sp>
       <p:pic>
         <p:nvPicPr>
-          <p:cNvPr id="4" name="Picture 3">
-            <a:extLst>
-              <a:ext uri="{FF2B5EF4-FFF2-40B4-BE49-F238E27FC236}">
-                <a16:creationId xmlns:a16="http://schemas.microsoft.com/office/drawing/2014/main" id="{4BBFCB9E-8641-438C-A4E3-C85727476FAA}"/>
+          <p:cNvPr id="3" name="Picture 2">
+            <a:extLst>
+              <a:ext uri="{FF2B5EF4-FFF2-40B4-BE49-F238E27FC236}">
+                <a16:creationId xmlns:a16="http://schemas.microsoft.com/office/drawing/2014/main" id="{99CB63DA-24AA-4771-B3DD-9EFBAACD8A80}"/>
               </a:ext>
             </a:extLst>
           </p:cNvPr>
@@ -5904,8 +5904,8 @@
         </p:blipFill>
         <p:spPr>
           <a:xfrm>
-            <a:off x="4952518" y="1247953"/>
-            <a:ext cx="6048454" cy="4667175"/>
+            <a:off x="4837092" y="1780479"/>
+            <a:ext cx="6223657" cy="3296116"/>
           </a:xfrm>
           <a:prstGeom prst="rect">
             <a:avLst/>
@@ -6239,10 +6239,10 @@
       </p:sp>
       <p:pic>
         <p:nvPicPr>
-          <p:cNvPr id="3" name="Picture 2">
-            <a:extLst>
-              <a:ext uri="{FF2B5EF4-FFF2-40B4-BE49-F238E27FC236}">
-                <a16:creationId xmlns:a16="http://schemas.microsoft.com/office/drawing/2014/main" id="{C1275A4B-7C02-4E50-A3A1-E146F0A5B346}"/>
+          <p:cNvPr id="4" name="Picture 3">
+            <a:extLst>
+              <a:ext uri="{FF2B5EF4-FFF2-40B4-BE49-F238E27FC236}">
+                <a16:creationId xmlns:a16="http://schemas.microsoft.com/office/drawing/2014/main" id="{F4EEF5ED-CD5C-4841-8D2A-D2D0FCDB59C7}"/>
               </a:ext>
             </a:extLst>
           </p:cNvPr>
@@ -6259,8 +6259,8 @@
         </p:blipFill>
         <p:spPr>
           <a:xfrm>
-            <a:off x="4837092" y="1589245"/>
-            <a:ext cx="6427578" cy="3769182"/>
+            <a:off x="5098979" y="1775394"/>
+            <a:ext cx="5925083" cy="3569877"/>
           </a:xfrm>
           <a:prstGeom prst="rect">
             <a:avLst/>
@@ -6502,10 +6502,10 @@
       </p:sp>
       <p:pic>
         <p:nvPicPr>
-          <p:cNvPr id="4" name="Picture 3">
-            <a:extLst>
-              <a:ext uri="{FF2B5EF4-FFF2-40B4-BE49-F238E27FC236}">
-                <a16:creationId xmlns:a16="http://schemas.microsoft.com/office/drawing/2014/main" id="{85DE925A-93A1-47FA-975A-D3C63AEFBC64}"/>
+          <p:cNvPr id="3" name="Picture 2">
+            <a:extLst>
+              <a:ext uri="{FF2B5EF4-FFF2-40B4-BE49-F238E27FC236}">
+                <a16:creationId xmlns:a16="http://schemas.microsoft.com/office/drawing/2014/main" id="{EE848470-6106-4BCB-A85C-9D66D5A5B5C2}"/>
               </a:ext>
             </a:extLst>
           </p:cNvPr>
@@ -6522,8 +6522,8 @@
         </p:blipFill>
         <p:spPr>
           <a:xfrm>
-            <a:off x="4981903" y="1625675"/>
-            <a:ext cx="6304047" cy="3605724"/>
+            <a:off x="5093189" y="1739865"/>
+            <a:ext cx="6192761" cy="3640064"/>
           </a:xfrm>
           <a:prstGeom prst="rect">
             <a:avLst/>
@@ -6780,10 +6780,10 @@
       </p:sp>
       <p:pic>
         <p:nvPicPr>
-          <p:cNvPr id="3" name="Picture 2">
-            <a:extLst>
-              <a:ext uri="{FF2B5EF4-FFF2-40B4-BE49-F238E27FC236}">
-                <a16:creationId xmlns:a16="http://schemas.microsoft.com/office/drawing/2014/main" id="{8E08BDB3-6DD8-404C-BFE5-88981D26B709}"/>
+          <p:cNvPr id="4" name="Picture 3">
+            <a:extLst>
+              <a:ext uri="{FF2B5EF4-FFF2-40B4-BE49-F238E27FC236}">
+                <a16:creationId xmlns:a16="http://schemas.microsoft.com/office/drawing/2014/main" id="{3B01FE92-BE14-4D3F-B802-20E0A2688658}"/>
               </a:ext>
             </a:extLst>
           </p:cNvPr>
@@ -6800,8 +6800,8 @@
         </p:blipFill>
         <p:spPr>
           <a:xfrm>
-            <a:off x="5095072" y="942410"/>
-            <a:ext cx="5838650" cy="2388588"/>
+            <a:off x="4908074" y="1165705"/>
+            <a:ext cx="4067805" cy="2183916"/>
           </a:xfrm>
           <a:prstGeom prst="rect">
             <a:avLst/>
@@ -6810,10 +6810,10 @@
       </p:pic>
       <p:pic>
         <p:nvPicPr>
-          <p:cNvPr id="6" name="Picture 5">
-            <a:extLst>
-              <a:ext uri="{FF2B5EF4-FFF2-40B4-BE49-F238E27FC236}">
-                <a16:creationId xmlns:a16="http://schemas.microsoft.com/office/drawing/2014/main" id="{16AD46C1-1A99-483B-957D-7C8E5309E6B4}"/>
+          <p:cNvPr id="7" name="Picture 6">
+            <a:extLst>
+              <a:ext uri="{FF2B5EF4-FFF2-40B4-BE49-F238E27FC236}">
+                <a16:creationId xmlns:a16="http://schemas.microsoft.com/office/drawing/2014/main" id="{8B7489A4-779F-43AA-BEC1-6E7D76DBF38B}"/>
               </a:ext>
             </a:extLst>
           </p:cNvPr>
@@ -6830,8 +6830,8 @@
         </p:blipFill>
         <p:spPr>
           <a:xfrm>
-            <a:off x="5163876" y="3330547"/>
-            <a:ext cx="5795290" cy="2583667"/>
+            <a:off x="6833929" y="3572455"/>
+            <a:ext cx="4283901" cy="2268800"/>
           </a:xfrm>
           <a:prstGeom prst="rect">
             <a:avLst/>
@@ -8255,10 +8255,10 @@
       </p:sp>
       <p:pic>
         <p:nvPicPr>
-          <p:cNvPr id="19" name="Picture 18">
-            <a:extLst>
-              <a:ext uri="{FF2B5EF4-FFF2-40B4-BE49-F238E27FC236}">
-                <a16:creationId xmlns:a16="http://schemas.microsoft.com/office/drawing/2014/main" id="{92E8624C-90E5-44E8-B119-2BBAFB75F217}"/>
+          <p:cNvPr id="3" name="Picture 2">
+            <a:extLst>
+              <a:ext uri="{FF2B5EF4-FFF2-40B4-BE49-F238E27FC236}">
+                <a16:creationId xmlns:a16="http://schemas.microsoft.com/office/drawing/2014/main" id="{AE05F70F-AB8F-4753-BBE3-F37C1E609B67}"/>
               </a:ext>
             </a:extLst>
           </p:cNvPr>
@@ -8275,8 +8275,8 @@
         </p:blipFill>
         <p:spPr>
           <a:xfrm>
-            <a:off x="4957841" y="1741854"/>
-            <a:ext cx="6328110" cy="3650600"/>
+            <a:off x="5042279" y="1678660"/>
+            <a:ext cx="6243671" cy="3701267"/>
           </a:xfrm>
           <a:prstGeom prst="rect">
             <a:avLst/>
@@ -8518,10 +8518,10 @@
       </p:sp>
       <p:pic>
         <p:nvPicPr>
-          <p:cNvPr id="3" name="Picture 2">
-            <a:extLst>
-              <a:ext uri="{FF2B5EF4-FFF2-40B4-BE49-F238E27FC236}">
-                <a16:creationId xmlns:a16="http://schemas.microsoft.com/office/drawing/2014/main" id="{3712C233-310B-4234-ABC9-8622CD52E8EE}"/>
+          <p:cNvPr id="6" name="Picture 5">
+            <a:extLst>
+              <a:ext uri="{FF2B5EF4-FFF2-40B4-BE49-F238E27FC236}">
+                <a16:creationId xmlns:a16="http://schemas.microsoft.com/office/drawing/2014/main" id="{F4B9CF32-9B07-46A5-82BE-1B2F7E8446BD}"/>
               </a:ext>
             </a:extLst>
           </p:cNvPr>
@@ -8538,8 +8538,8 @@
         </p:blipFill>
         <p:spPr>
           <a:xfrm>
-            <a:off x="4880454" y="1594681"/>
-            <a:ext cx="6448857" cy="3667711"/>
+            <a:off x="5135410" y="1800613"/>
+            <a:ext cx="6037997" cy="3529212"/>
           </a:xfrm>
           <a:prstGeom prst="rect">
             <a:avLst/>
@@ -8781,10 +8781,10 @@
       </p:sp>
       <p:pic>
         <p:nvPicPr>
-          <p:cNvPr id="4" name="Picture 3">
-            <a:extLst>
-              <a:ext uri="{FF2B5EF4-FFF2-40B4-BE49-F238E27FC236}">
-                <a16:creationId xmlns:a16="http://schemas.microsoft.com/office/drawing/2014/main" id="{9C58167A-B498-4BF2-AC6C-5156690E14D9}"/>
+          <p:cNvPr id="3" name="Picture 2">
+            <a:extLst>
+              <a:ext uri="{FF2B5EF4-FFF2-40B4-BE49-F238E27FC236}">
+                <a16:creationId xmlns:a16="http://schemas.microsoft.com/office/drawing/2014/main" id="{691F2DCC-D213-49A6-86A1-88DE1A726C49}"/>
               </a:ext>
             </a:extLst>
           </p:cNvPr>
@@ -8801,8 +8801,8 @@
         </p:blipFill>
         <p:spPr>
           <a:xfrm>
-            <a:off x="4959545" y="1754409"/>
-            <a:ext cx="6203951" cy="3638045"/>
+            <a:off x="5060243" y="1553035"/>
+            <a:ext cx="6225707" cy="3751003"/>
           </a:xfrm>
           <a:prstGeom prst="rect">
             <a:avLst/>
@@ -9044,10 +9044,10 @@
       </p:sp>
       <p:pic>
         <p:nvPicPr>
-          <p:cNvPr id="3" name="Picture 2">
-            <a:extLst>
-              <a:ext uri="{FF2B5EF4-FFF2-40B4-BE49-F238E27FC236}">
-                <a16:creationId xmlns:a16="http://schemas.microsoft.com/office/drawing/2014/main" id="{E83DE630-C6C1-4F52-9CD1-DC5A2E01EE90}"/>
+          <p:cNvPr id="4" name="Picture 3">
+            <a:extLst>
+              <a:ext uri="{FF2B5EF4-FFF2-40B4-BE49-F238E27FC236}">
+                <a16:creationId xmlns:a16="http://schemas.microsoft.com/office/drawing/2014/main" id="{AA962102-78FF-475A-826F-223FADEF5036}"/>
               </a:ext>
             </a:extLst>
           </p:cNvPr>
@@ -9064,8 +9064,8 @@
         </p:blipFill>
         <p:spPr>
           <a:xfrm>
-            <a:off x="4976309" y="1240077"/>
-            <a:ext cx="6076176" cy="4549191"/>
+            <a:off x="4989752" y="1792003"/>
+            <a:ext cx="6143537" cy="3273067"/>
           </a:xfrm>
           <a:prstGeom prst="rect">
             <a:avLst/>
